--- a/Retrofit + ImgurAPI.pptx
+++ b/Retrofit + ImgurAPI.pptx
@@ -19,6 +19,7 @@
     <p:sldId id="269" r:id="rId13"/>
     <p:sldId id="266" r:id="rId14"/>
     <p:sldId id="267" r:id="rId15"/>
+    <p:sldId id="270" r:id="rId16"/>
   </p:sldIdLst>
   <p:sldSz cx="12192000" cy="6858000"/>
   <p:notesSz cx="6858000" cy="9144000"/>
@@ -9085,6 +9086,58 @@
           </a:graphicData>
         </a:graphic>
       </p:graphicFrame>
+      <p:sp>
+        <p:nvSpPr>
+          <p:cNvPr id="3" name="文字方塊 2"/>
+          <p:cNvSpPr txBox="1"/>
+          <p:nvPr/>
+        </p:nvSpPr>
+        <p:spPr>
+          <a:xfrm>
+            <a:off x="452582" y="5698836"/>
+            <a:ext cx="6964218" cy="646331"/>
+          </a:xfrm>
+          <a:prstGeom prst="rect">
+            <a:avLst/>
+          </a:prstGeom>
+        </p:spPr>
+        <p:style>
+          <a:lnRef idx="2">
+            <a:schemeClr val="accent3"/>
+          </a:lnRef>
+          <a:fillRef idx="1">
+            <a:schemeClr val="lt1"/>
+          </a:fillRef>
+          <a:effectRef idx="0">
+            <a:schemeClr val="accent3"/>
+          </a:effectRef>
+          <a:fontRef idx="minor">
+            <a:schemeClr val="dk1"/>
+          </a:fontRef>
+        </p:style>
+        <p:txBody>
+          <a:bodyPr wrap="square" rtlCol="0">
+            <a:spAutoFit/>
+          </a:bodyPr>
+          <a:lstStyle/>
+          <a:p>
+            <a:r>
+              <a:rPr lang="en-US" altLang="zh-TW" dirty="0">
+                <a:hlinkClick r:id="rId7"/>
+              </a:rPr>
+              <a:t>https://github.com/Johnny850807/Imgur-Picture-Uploading-Example-Using-Retrofit-On-Native-Java</a:t>
+            </a:r>
+            <a:r>
+              <a:rPr lang="en-US" altLang="zh-TW" dirty="0"/>
+              <a:t> </a:t>
+            </a:r>
+            <a:r>
+              <a:rPr lang="zh-TW" altLang="en-US" dirty="0"/>
+              <a:t>示範專案跟類別庫</a:t>
+            </a:r>
+          </a:p>
+        </p:txBody>
+      </p:sp>
     </p:spTree>
     <p:extLst>
       <p:ext uri="{BB962C8B-B14F-4D97-AF65-F5344CB8AC3E}">
@@ -9815,6 +9868,64 @@
     <p:extLst>
       <p:ext uri="{BB962C8B-B14F-4D97-AF65-F5344CB8AC3E}">
         <p14:creationId xmlns:p14="http://schemas.microsoft.com/office/powerpoint/2010/main" val="1909888335"/>
+      </p:ext>
+    </p:extLst>
+  </p:cSld>
+  <p:clrMapOvr>
+    <a:masterClrMapping/>
+  </p:clrMapOvr>
+</p:sld>
+</file>
+
+<file path=ppt/slides/slide15.xml><?xml version="1.0" encoding="utf-8"?>
+<p:sld xmlns:a="http://schemas.openxmlformats.org/drawingml/2006/main" xmlns:r="http://schemas.openxmlformats.org/officeDocument/2006/relationships" xmlns:p="http://schemas.openxmlformats.org/presentationml/2006/main">
+  <p:cSld>
+    <p:spTree>
+      <p:nvGrpSpPr>
+        <p:cNvPr id="1" name=""/>
+        <p:cNvGrpSpPr/>
+        <p:nvPr/>
+      </p:nvGrpSpPr>
+      <p:grpSpPr>
+        <a:xfrm>
+          <a:off x="0" y="0"/>
+          <a:ext cx="0" cy="0"/>
+          <a:chOff x="0" y="0"/>
+          <a:chExt cx="0" cy="0"/>
+        </a:xfrm>
+      </p:grpSpPr>
+      <p:sp>
+        <p:nvSpPr>
+          <p:cNvPr id="4" name="標題 3"/>
+          <p:cNvSpPr>
+            <a:spLocks noGrp="1"/>
+          </p:cNvSpPr>
+          <p:nvPr>
+            <p:ph type="ctrTitle"/>
+          </p:nvPr>
+        </p:nvSpPr>
+        <p:spPr>
+          <a:xfrm>
+            <a:off x="4507755" y="1847274"/>
+            <a:ext cx="5070355" cy="1655489"/>
+          </a:xfrm>
+        </p:spPr>
+        <p:txBody>
+          <a:bodyPr/>
+          <a:lstStyle/>
+          <a:p>
+            <a:r>
+              <a:rPr lang="en-US" altLang="zh-TW" dirty="0"/>
+              <a:t>THANKS</a:t>
+            </a:r>
+            <a:endParaRPr lang="zh-TW" altLang="en-US" dirty="0"/>
+          </a:p>
+        </p:txBody>
+      </p:sp>
+    </p:spTree>
+    <p:extLst>
+      <p:ext uri="{BB962C8B-B14F-4D97-AF65-F5344CB8AC3E}">
+        <p14:creationId xmlns:p14="http://schemas.microsoft.com/office/powerpoint/2010/main" val="100375024"/>
       </p:ext>
     </p:extLst>
   </p:cSld>
